--- a/Диск/Лекции/Лекция4.pptx
+++ b/Диск/Лекции/Лекция4.pptx
@@ -5,7 +5,7 @@
     <p:sldMasterId id="2147484095" r:id="rId1"/>
   </p:sldMasterIdLst>
   <p:notesMasterIdLst>
-    <p:notesMasterId r:id="rId34"/>
+    <p:notesMasterId r:id="rId36"/>
   </p:notesMasterIdLst>
   <p:sldIdLst>
     <p:sldId id="256" r:id="rId2"/>
@@ -35,11 +35,13 @@
     <p:sldId id="281" r:id="rId26"/>
     <p:sldId id="282" r:id="rId27"/>
     <p:sldId id="283" r:id="rId28"/>
-    <p:sldId id="284" r:id="rId29"/>
-    <p:sldId id="285" r:id="rId30"/>
-    <p:sldId id="286" r:id="rId31"/>
-    <p:sldId id="287" r:id="rId32"/>
-    <p:sldId id="288" r:id="rId33"/>
+    <p:sldId id="289" r:id="rId29"/>
+    <p:sldId id="290" r:id="rId30"/>
+    <p:sldId id="284" r:id="rId31"/>
+    <p:sldId id="285" r:id="rId32"/>
+    <p:sldId id="286" r:id="rId33"/>
+    <p:sldId id="287" r:id="rId34"/>
+    <p:sldId id="288" r:id="rId35"/>
   </p:sldIdLst>
   <p:sldSz cx="12192000" cy="6858000"/>
   <p:notesSz cx="6858000" cy="9144000"/>
@@ -228,7 +230,7 @@
           <a:p>
             <a:fld id="{78B9F18C-B0EF-4C3B-831E-15C3CF792C09}" type="datetimeFigureOut">
               <a:rPr lang="ru-RU" smtClean="0"/>
-              <a:t>05.09.2025</a:t>
+              <a:t>19.11.2025</a:t>
             </a:fld>
             <a:endParaRPr lang="ru-RU"/>
           </a:p>
@@ -668,7 +670,7 @@
           <a:p>
             <a:fld id="{D24FCE4A-E037-49CC-AF69-12A4988BE38E}" type="datetime1">
               <a:rPr lang="ru-RU" smtClean="0"/>
-              <a:t>05.09.2025</a:t>
+              <a:t>19.11.2025</a:t>
             </a:fld>
             <a:endParaRPr lang="ru-RU" dirty="0"/>
           </a:p>
@@ -999,7 +1001,7 @@
           <a:p>
             <a:fld id="{468EB5A6-BF52-47B6-9BBF-2892C814B698}" type="datetime1">
               <a:rPr lang="ru-RU" smtClean="0"/>
-              <a:t>05.09.2025</a:t>
+              <a:t>19.11.2025</a:t>
             </a:fld>
             <a:endParaRPr lang="ru-RU"/>
           </a:p>
@@ -1179,7 +1181,7 @@
           <a:p>
             <a:fld id="{2B5C8FEC-7C05-4726-9EBD-62047155F109}" type="datetime1">
               <a:rPr lang="ru-RU" smtClean="0"/>
-              <a:t>05.09.2025</a:t>
+              <a:t>19.11.2025</a:t>
             </a:fld>
             <a:endParaRPr lang="ru-RU"/>
           </a:p>
@@ -1349,7 +1351,7 @@
           <a:p>
             <a:fld id="{4C2BC256-CF22-4233-9857-77FD6DE4305F}" type="datetime1">
               <a:rPr lang="ru-RU" smtClean="0"/>
-              <a:t>05.09.2025</a:t>
+              <a:t>19.11.2025</a:t>
             </a:fld>
             <a:endParaRPr lang="ru-RU"/>
           </a:p>
@@ -1626,7 +1628,7 @@
           <a:p>
             <a:fld id="{28F9FC76-01F9-4AB9-9526-B8F3E54B532E}" type="datetime1">
               <a:rPr lang="ru-RU" smtClean="0"/>
-              <a:t>05.09.2025</a:t>
+              <a:t>19.11.2025</a:t>
             </a:fld>
             <a:endParaRPr lang="ru-RU"/>
           </a:p>
@@ -2020,7 +2022,7 @@
           <a:p>
             <a:fld id="{E7EE593B-0741-4F91-B3F7-D86E2A3829EC}" type="datetime1">
               <a:rPr lang="ru-RU" smtClean="0"/>
-              <a:t>05.09.2025</a:t>
+              <a:t>19.11.2025</a:t>
             </a:fld>
             <a:endParaRPr lang="ru-RU"/>
           </a:p>
@@ -2502,7 +2504,7 @@
           <a:p>
             <a:fld id="{7A8E1F07-52A3-48D9-9F41-C3051238F9D9}" type="datetime1">
               <a:rPr lang="ru-RU" smtClean="0"/>
-              <a:t>05.09.2025</a:t>
+              <a:t>19.11.2025</a:t>
             </a:fld>
             <a:endParaRPr lang="ru-RU"/>
           </a:p>
@@ -2625,7 +2627,7 @@
           <a:p>
             <a:fld id="{E608CE4C-A5EC-4AB7-A9A4-27750E771CE5}" type="datetime1">
               <a:rPr lang="ru-RU" smtClean="0"/>
-              <a:t>05.09.2025</a:t>
+              <a:t>19.11.2025</a:t>
             </a:fld>
             <a:endParaRPr lang="ru-RU"/>
           </a:p>
@@ -2720,7 +2722,7 @@
           <a:p>
             <a:fld id="{37EB03B2-378A-41C0-B280-1C672D3B0406}" type="datetime1">
               <a:rPr lang="ru-RU" smtClean="0"/>
-              <a:t>05.09.2025</a:t>
+              <a:t>19.11.2025</a:t>
             </a:fld>
             <a:endParaRPr lang="ru-RU"/>
           </a:p>
@@ -3066,7 +3068,7 @@
           <a:p>
             <a:fld id="{C144C243-AD7B-4350-8781-0A627ED81D55}" type="datetime1">
               <a:rPr lang="ru-RU" smtClean="0"/>
-              <a:t>05.09.2025</a:t>
+              <a:t>19.11.2025</a:t>
             </a:fld>
             <a:endParaRPr lang="ru-RU"/>
           </a:p>
@@ -3459,7 +3461,7 @@
           <a:p>
             <a:fld id="{0666B70E-4DCD-4E75-B5FA-FB4983BEDB2D}" type="datetime1">
               <a:rPr lang="ru-RU" smtClean="0"/>
-              <a:t>05.09.2025</a:t>
+              <a:t>19.11.2025</a:t>
             </a:fld>
             <a:endParaRPr lang="ru-RU"/>
           </a:p>
@@ -3738,7 +3740,7 @@
           <a:p>
             <a:fld id="{B5DAF34B-A6AB-40A2-8DC7-57C71D49F463}" type="datetime1">
               <a:rPr lang="ru-RU" smtClean="0"/>
-              <a:t>05.09.2025</a:t>
+              <a:t>19.11.2025</a:t>
             </a:fld>
             <a:endParaRPr lang="ru-RU"/>
           </a:p>
@@ -6184,14 +6186,15 @@
           </a:p>
           <a:p>
             <a:r>
+              <a:rPr lang="ru-RU"/>
+              <a:t>Получение сообщения</a:t>
+            </a:r>
+            <a:endParaRPr lang="ru-RU" dirty="0"/>
+          </a:p>
+          <a:p>
+            <a:r>
               <a:rPr lang="ru-RU" dirty="0"/>
               <a:t>Отправка сообщения</a:t>
-            </a:r>
-          </a:p>
-          <a:p>
-            <a:r>
-              <a:rPr lang="ru-RU" dirty="0"/>
-              <a:t>Получение сообщения</a:t>
             </a:r>
           </a:p>
           <a:p>
@@ -8258,7 +8261,7 @@
           <p:cNvPr id="2" name="Заголовок 1">
             <a:extLst>
               <a:ext uri="{FF2B5EF4-FFF2-40B4-BE49-F238E27FC236}">
-                <a16:creationId xmlns:a16="http://schemas.microsoft.com/office/drawing/2014/main" id="{CE28A394-2639-D7FD-C6FE-8C6B5ADD7852}"/>
+                <a16:creationId xmlns:a16="http://schemas.microsoft.com/office/drawing/2014/main" id="{2E30A393-E22B-4426-AB2C-36A0149C0B45}"/>
               </a:ext>
             </a:extLst>
           </p:cNvPr>
@@ -8276,7 +8279,64 @@
           <a:p>
             <a:r>
               <a:rPr lang="ru-RU" dirty="0"/>
-              <a:t>Пример 1</a:t>
+              <a:t>Внешние участники</a:t>
+            </a:r>
+          </a:p>
+        </p:txBody>
+      </p:sp>
+      <p:sp>
+        <p:nvSpPr>
+          <p:cNvPr id="3" name="Объект 2">
+            <a:extLst>
+              <a:ext uri="{FF2B5EF4-FFF2-40B4-BE49-F238E27FC236}">
+                <a16:creationId xmlns:a16="http://schemas.microsoft.com/office/drawing/2014/main" id="{7FE2B666-E350-4742-A9E0-2C4A4DD3A4F3}"/>
+              </a:ext>
+            </a:extLst>
+          </p:cNvPr>
+          <p:cNvSpPr>
+            <a:spLocks noGrp="1"/>
+          </p:cNvSpPr>
+          <p:nvPr>
+            <p:ph idx="1"/>
+          </p:nvPr>
+        </p:nvSpPr>
+        <p:spPr>
+          <a:xfrm>
+            <a:off x="1371600" y="1506584"/>
+            <a:ext cx="9601200" cy="2331992"/>
+          </a:xfrm>
+        </p:spPr>
+        <p:txBody>
+          <a:bodyPr/>
+          <a:lstStyle/>
+          <a:p>
+            <a:r>
+              <a:rPr lang="ru-RU" dirty="0"/>
+              <a:t>Обратите внимание,  что диаграмма </a:t>
+            </a:r>
+            <a:r>
+              <a:rPr lang="en-US" dirty="0"/>
+              <a:t>BPMN </a:t>
+            </a:r>
+            <a:r>
+              <a:rPr lang="ru-RU" dirty="0"/>
+              <a:t>не может показывать события, не контролируемые бизнес-процессом. Т.е. любые участники, чьи действия можно только предполагать (клиенты, исполнители на </a:t>
+            </a:r>
+            <a:r>
+              <a:rPr lang="ru-RU" dirty="0" err="1"/>
+              <a:t>аутсорсе</a:t>
+            </a:r>
+            <a:r>
+              <a:rPr lang="ru-RU" dirty="0"/>
+              <a:t>), не должны иметь действий на диаграмме. Все что от них и к ним получается – сообщения и другие материальные/нематериальные объекты. Т.е. дорожка такого участника </a:t>
+            </a:r>
+            <a:r>
+              <a:rPr lang="ru-RU" b="1" dirty="0"/>
+              <a:t>пустая</a:t>
+            </a:r>
+            <a:r>
+              <a:rPr lang="ru-RU" dirty="0"/>
+              <a:t>.</a:t>
             </a:r>
           </a:p>
         </p:txBody>
@@ -8286,7 +8346,7 @@
           <p:cNvPr id="4" name="Номер слайда 3">
             <a:extLst>
               <a:ext uri="{FF2B5EF4-FFF2-40B4-BE49-F238E27FC236}">
-                <a16:creationId xmlns:a16="http://schemas.microsoft.com/office/drawing/2014/main" id="{D04E2331-9467-374E-76DB-BD9E98437993}"/>
+                <a16:creationId xmlns:a16="http://schemas.microsoft.com/office/drawing/2014/main" id="{6B86798C-A6AE-43C8-A02E-F2EF0851FC81}"/>
               </a:ext>
             </a:extLst>
           </p:cNvPr>
@@ -8305,6 +8365,459 @@
             <a:fld id="{25A42088-C730-408A-A823-60BED1AFCEA0}" type="slidenum">
               <a:rPr lang="ru-RU" smtClean="0"/>
               <a:t>28</a:t>
+            </a:fld>
+            <a:endParaRPr lang="ru-RU"/>
+          </a:p>
+        </p:txBody>
+      </p:sp>
+    </p:spTree>
+    <p:extLst>
+      <p:ext uri="{BB962C8B-B14F-4D97-AF65-F5344CB8AC3E}">
+        <p14:creationId xmlns:p14="http://schemas.microsoft.com/office/powerpoint/2010/main" val="2468968670"/>
+      </p:ext>
+    </p:extLst>
+  </p:cSld>
+  <p:clrMapOvr>
+    <a:masterClrMapping/>
+  </p:clrMapOvr>
+</p:sld>
+</file>
+
+<file path=ppt/slides/slide29.xml><?xml version="1.0" encoding="utf-8"?>
+<p:sld xmlns:a="http://schemas.openxmlformats.org/drawingml/2006/main" xmlns:r="http://schemas.openxmlformats.org/officeDocument/2006/relationships" xmlns:p="http://schemas.openxmlformats.org/presentationml/2006/main">
+  <p:cSld>
+    <p:spTree>
+      <p:nvGrpSpPr>
+        <p:cNvPr id="1" name=""/>
+        <p:cNvGrpSpPr/>
+        <p:nvPr/>
+      </p:nvGrpSpPr>
+      <p:grpSpPr>
+        <a:xfrm>
+          <a:off x="0" y="0"/>
+          <a:ext cx="0" cy="0"/>
+          <a:chOff x="0" y="0"/>
+          <a:chExt cx="0" cy="0"/>
+        </a:xfrm>
+      </p:grpSpPr>
+      <p:sp>
+        <p:nvSpPr>
+          <p:cNvPr id="2" name="Заголовок 1">
+            <a:extLst>
+              <a:ext uri="{FF2B5EF4-FFF2-40B4-BE49-F238E27FC236}">
+                <a16:creationId xmlns:a16="http://schemas.microsoft.com/office/drawing/2014/main" id="{81236B99-8CA0-4BBF-BF81-E37DEBA01992}"/>
+              </a:ext>
+            </a:extLst>
+          </p:cNvPr>
+          <p:cNvSpPr>
+            <a:spLocks noGrp="1"/>
+          </p:cNvSpPr>
+          <p:nvPr>
+            <p:ph type="title"/>
+          </p:nvPr>
+        </p:nvSpPr>
+        <p:spPr/>
+        <p:txBody>
+          <a:bodyPr/>
+          <a:lstStyle/>
+          <a:p>
+            <a:r>
+              <a:rPr lang="ru-RU" dirty="0"/>
+              <a:t>Пример внешнего участника: Покупатель</a:t>
+            </a:r>
+          </a:p>
+        </p:txBody>
+      </p:sp>
+      <p:sp>
+        <p:nvSpPr>
+          <p:cNvPr id="4" name="Номер слайда 3">
+            <a:extLst>
+              <a:ext uri="{FF2B5EF4-FFF2-40B4-BE49-F238E27FC236}">
+                <a16:creationId xmlns:a16="http://schemas.microsoft.com/office/drawing/2014/main" id="{3D12DC24-8C26-4259-B0E7-457D4CCC7889}"/>
+              </a:ext>
+            </a:extLst>
+          </p:cNvPr>
+          <p:cNvSpPr>
+            <a:spLocks noGrp="1"/>
+          </p:cNvSpPr>
+          <p:nvPr>
+            <p:ph type="sldNum" sz="quarter" idx="12"/>
+          </p:nvPr>
+        </p:nvSpPr>
+        <p:spPr/>
+        <p:txBody>
+          <a:bodyPr/>
+          <a:lstStyle/>
+          <a:p>
+            <a:fld id="{25A42088-C730-408A-A823-60BED1AFCEA0}" type="slidenum">
+              <a:rPr lang="ru-RU" smtClean="0"/>
+              <a:t>29</a:t>
+            </a:fld>
+            <a:endParaRPr lang="ru-RU"/>
+          </a:p>
+        </p:txBody>
+      </p:sp>
+      <p:pic>
+        <p:nvPicPr>
+          <p:cNvPr id="2050" name="Picture 2" descr="BPMN — Википедия">
+            <a:extLst>
+              <a:ext uri="{FF2B5EF4-FFF2-40B4-BE49-F238E27FC236}">
+                <a16:creationId xmlns:a16="http://schemas.microsoft.com/office/drawing/2014/main" id="{A1C8D4A0-D8AD-462F-BEAE-C89B6CEC6F28}"/>
+              </a:ext>
+            </a:extLst>
+          </p:cNvPr>
+          <p:cNvPicPr>
+            <a:picLocks noGrp="1" noChangeAspect="1" noChangeArrowheads="1"/>
+          </p:cNvPicPr>
+          <p:nvPr>
+            <p:ph idx="1"/>
+          </p:nvPr>
+        </p:nvPicPr>
+        <p:blipFill rotWithShape="1">
+          <a:blip r:embed="rId2">
+            <a:extLst>
+              <a:ext uri="{28A0092B-C50C-407E-A947-70E740481C1C}">
+                <a14:useLocalDpi xmlns:a14="http://schemas.microsoft.com/office/drawing/2010/main" val="0"/>
+              </a:ext>
+            </a:extLst>
+          </a:blip>
+          <a:srcRect b="33238"/>
+          <a:stretch/>
+        </p:blipFill>
+        <p:spPr bwMode="auto">
+          <a:xfrm>
+            <a:off x="1371600" y="1603757"/>
+            <a:ext cx="9601200" cy="3044443"/>
+          </a:xfrm>
+          <a:prstGeom prst="rect">
+            <a:avLst/>
+          </a:prstGeom>
+          <a:noFill/>
+          <a:extLst>
+            <a:ext uri="{909E8E84-426E-40DD-AFC4-6F175D3DCCD1}">
+              <a14:hiddenFill xmlns:a14="http://schemas.microsoft.com/office/drawing/2010/main">
+                <a:solidFill>
+                  <a:srgbClr val="FFFFFF"/>
+                </a:solidFill>
+              </a14:hiddenFill>
+            </a:ext>
+          </a:extLst>
+        </p:spPr>
+      </p:pic>
+      <p:sp>
+        <p:nvSpPr>
+          <p:cNvPr id="3" name="Прямоугольник 2">
+            <a:extLst>
+              <a:ext uri="{FF2B5EF4-FFF2-40B4-BE49-F238E27FC236}">
+                <a16:creationId xmlns:a16="http://schemas.microsoft.com/office/drawing/2014/main" id="{84EC2FB5-7CD5-475F-90EC-EDD3D947AA7C}"/>
+              </a:ext>
+            </a:extLst>
+          </p:cNvPr>
+          <p:cNvSpPr/>
+          <p:nvPr/>
+        </p:nvSpPr>
+        <p:spPr>
+          <a:xfrm>
+            <a:off x="1133475" y="1330235"/>
+            <a:ext cx="10172700" cy="1689190"/>
+          </a:xfrm>
+          <a:prstGeom prst="rect">
+            <a:avLst/>
+          </a:prstGeom>
+          <a:noFill/>
+        </p:spPr>
+        <p:style>
+          <a:lnRef idx="2">
+            <a:schemeClr val="accent6"/>
+          </a:lnRef>
+          <a:fillRef idx="1">
+            <a:schemeClr val="lt1"/>
+          </a:fillRef>
+          <a:effectRef idx="0">
+            <a:schemeClr val="accent6"/>
+          </a:effectRef>
+          <a:fontRef idx="minor">
+            <a:schemeClr val="dk1"/>
+          </a:fontRef>
+        </p:style>
+        <p:txBody>
+          <a:bodyPr rtlCol="0" anchor="ctr"/>
+          <a:lstStyle/>
+          <a:p>
+            <a:pPr algn="ctr"/>
+            <a:endParaRPr lang="ru-RU">
+              <a:noFill/>
+            </a:endParaRPr>
+          </a:p>
+        </p:txBody>
+      </p:sp>
+    </p:spTree>
+    <p:extLst>
+      <p:ext uri="{BB962C8B-B14F-4D97-AF65-F5344CB8AC3E}">
+        <p14:creationId xmlns:p14="http://schemas.microsoft.com/office/powerpoint/2010/main" val="274955171"/>
+      </p:ext>
+    </p:extLst>
+  </p:cSld>
+  <p:clrMapOvr>
+    <a:masterClrMapping/>
+  </p:clrMapOvr>
+</p:sld>
+</file>
+
+<file path=ppt/slides/slide3.xml><?xml version="1.0" encoding="utf-8"?>
+<p:sld xmlns:a="http://schemas.openxmlformats.org/drawingml/2006/main" xmlns:r="http://schemas.openxmlformats.org/officeDocument/2006/relationships" xmlns:p="http://schemas.openxmlformats.org/presentationml/2006/main">
+  <p:cSld>
+    <p:spTree>
+      <p:nvGrpSpPr>
+        <p:cNvPr id="1" name=""/>
+        <p:cNvGrpSpPr/>
+        <p:nvPr/>
+      </p:nvGrpSpPr>
+      <p:grpSpPr>
+        <a:xfrm>
+          <a:off x="0" y="0"/>
+          <a:ext cx="0" cy="0"/>
+          <a:chOff x="0" y="0"/>
+          <a:chExt cx="0" cy="0"/>
+        </a:xfrm>
+      </p:grpSpPr>
+      <p:sp>
+        <p:nvSpPr>
+          <p:cNvPr id="2" name="Заголовок 1">
+            <a:extLst>
+              <a:ext uri="{FF2B5EF4-FFF2-40B4-BE49-F238E27FC236}">
+                <a16:creationId xmlns:a16="http://schemas.microsoft.com/office/drawing/2014/main" id="{51D71CF4-F33F-0638-DB5F-F5C0864741FE}"/>
+              </a:ext>
+            </a:extLst>
+          </p:cNvPr>
+          <p:cNvSpPr>
+            <a:spLocks noGrp="1"/>
+          </p:cNvSpPr>
+          <p:nvPr>
+            <p:ph type="title"/>
+          </p:nvPr>
+        </p:nvSpPr>
+        <p:spPr/>
+        <p:txBody>
+          <a:bodyPr/>
+          <a:lstStyle/>
+          <a:p>
+            <a:r>
+              <a:rPr lang="ru-RU" dirty="0"/>
+              <a:t>Требования к моделям </a:t>
+            </a:r>
+            <a:r>
+              <a:rPr lang="ru-RU" dirty="0" err="1"/>
+              <a:t>предм</a:t>
+            </a:r>
+            <a:r>
+              <a:rPr lang="ru-RU" dirty="0"/>
+              <a:t>. обл.</a:t>
+            </a:r>
+          </a:p>
+        </p:txBody>
+      </p:sp>
+      <p:sp>
+        <p:nvSpPr>
+          <p:cNvPr id="3" name="Объект 2">
+            <a:extLst>
+              <a:ext uri="{FF2B5EF4-FFF2-40B4-BE49-F238E27FC236}">
+                <a16:creationId xmlns:a16="http://schemas.microsoft.com/office/drawing/2014/main" id="{50290AFA-7B44-EB2B-C2BD-8AA8D14DD914}"/>
+              </a:ext>
+            </a:extLst>
+          </p:cNvPr>
+          <p:cNvSpPr>
+            <a:spLocks noGrp="1"/>
+          </p:cNvSpPr>
+          <p:nvPr>
+            <p:ph idx="1"/>
+          </p:nvPr>
+        </p:nvSpPr>
+        <p:spPr>
+          <a:xfrm>
+            <a:off x="1371600" y="1506583"/>
+            <a:ext cx="9601200" cy="4868087"/>
+          </a:xfrm>
+        </p:spPr>
+        <p:txBody>
+          <a:bodyPr>
+            <a:normAutofit fontScale="92500" lnSpcReduction="10000"/>
+          </a:bodyPr>
+          <a:lstStyle/>
+          <a:p>
+            <a:pPr marL="342900" indent="-342900">
+              <a:buFont typeface="Wingdings" panose="05000000000000000000" pitchFamily="2" charset="2"/>
+              <a:buChar char="v"/>
+            </a:pPr>
+            <a:r>
+              <a:rPr lang="ru-RU" sz="2400" dirty="0"/>
+              <a:t>формализация, обеспечивающая однозначное описание структуры предметной области;</a:t>
+            </a:r>
+          </a:p>
+          <a:p>
+            <a:pPr marL="342900" indent="-342900">
+              <a:buFont typeface="Wingdings" panose="05000000000000000000" pitchFamily="2" charset="2"/>
+              <a:buChar char="v"/>
+            </a:pPr>
+            <a:r>
+              <a:rPr lang="ru-RU" sz="2400" dirty="0"/>
+              <a:t>понятность для заказчиков и разработчиков на основе применения графических средств отображения модели;</a:t>
+            </a:r>
+          </a:p>
+          <a:p>
+            <a:pPr marL="342900" indent="-342900">
+              <a:buFont typeface="Wingdings" panose="05000000000000000000" pitchFamily="2" charset="2"/>
+              <a:buChar char="v"/>
+            </a:pPr>
+            <a:r>
+              <a:rPr lang="ru-RU" sz="2400" dirty="0"/>
+              <a:t>реализуемость, подразумевающая наличие средств физической реализации модели предметной области в ИС;</a:t>
+            </a:r>
+          </a:p>
+          <a:p>
+            <a:pPr marL="342900" indent="-342900">
+              <a:buFont typeface="Wingdings" panose="05000000000000000000" pitchFamily="2" charset="2"/>
+              <a:buChar char="v"/>
+            </a:pPr>
+            <a:r>
+              <a:rPr lang="ru-RU" sz="2400" dirty="0"/>
+              <a:t>обеспечение оценки эффективности реализации модели предметной области на основе определенных методов и вычисляемых показателей.</a:t>
+            </a:r>
+          </a:p>
+          <a:p>
+            <a:pPr marL="342900" indent="-342900">
+              <a:buFont typeface="Wingdings" panose="05000000000000000000" pitchFamily="2" charset="2"/>
+              <a:buChar char="v"/>
+            </a:pPr>
+            <a:endParaRPr lang="ru-RU" sz="2400" dirty="0"/>
+          </a:p>
+          <a:p>
+            <a:r>
+              <a:rPr lang="ru-RU" sz="2400" dirty="0"/>
+              <a:t>Для реализации перечисленных требований, как правило, строится система моделей, которая отражает </a:t>
+            </a:r>
+            <a:r>
+              <a:rPr lang="ru-RU" sz="2400" b="1" dirty="0"/>
+              <a:t>структурный и оценочный аспекты </a:t>
+            </a:r>
+            <a:r>
+              <a:rPr lang="ru-RU" sz="2400" dirty="0"/>
+              <a:t>функционирования предметной области.</a:t>
+            </a:r>
+          </a:p>
+        </p:txBody>
+      </p:sp>
+      <p:sp>
+        <p:nvSpPr>
+          <p:cNvPr id="4" name="Номер слайда 3">
+            <a:extLst>
+              <a:ext uri="{FF2B5EF4-FFF2-40B4-BE49-F238E27FC236}">
+                <a16:creationId xmlns:a16="http://schemas.microsoft.com/office/drawing/2014/main" id="{4CDB6F1E-778A-CB68-5E28-34F7DED30AE3}"/>
+              </a:ext>
+            </a:extLst>
+          </p:cNvPr>
+          <p:cNvSpPr>
+            <a:spLocks noGrp="1"/>
+          </p:cNvSpPr>
+          <p:nvPr>
+            <p:ph type="sldNum" sz="quarter" idx="12"/>
+          </p:nvPr>
+        </p:nvSpPr>
+        <p:spPr/>
+        <p:txBody>
+          <a:bodyPr/>
+          <a:lstStyle/>
+          <a:p>
+            <a:fld id="{25A42088-C730-408A-A823-60BED1AFCEA0}" type="slidenum">
+              <a:rPr lang="ru-RU" smtClean="0"/>
+              <a:t>3</a:t>
+            </a:fld>
+            <a:endParaRPr lang="ru-RU"/>
+          </a:p>
+        </p:txBody>
+      </p:sp>
+    </p:spTree>
+    <p:extLst>
+      <p:ext uri="{BB962C8B-B14F-4D97-AF65-F5344CB8AC3E}">
+        <p14:creationId xmlns:p14="http://schemas.microsoft.com/office/powerpoint/2010/main" val="3265568752"/>
+      </p:ext>
+    </p:extLst>
+  </p:cSld>
+  <p:clrMapOvr>
+    <a:masterClrMapping/>
+  </p:clrMapOvr>
+</p:sld>
+</file>
+
+<file path=ppt/slides/slide30.xml><?xml version="1.0" encoding="utf-8"?>
+<p:sld xmlns:a="http://schemas.openxmlformats.org/drawingml/2006/main" xmlns:r="http://schemas.openxmlformats.org/officeDocument/2006/relationships" xmlns:p="http://schemas.openxmlformats.org/presentationml/2006/main">
+  <p:cSld>
+    <p:spTree>
+      <p:nvGrpSpPr>
+        <p:cNvPr id="1" name=""/>
+        <p:cNvGrpSpPr/>
+        <p:nvPr/>
+      </p:nvGrpSpPr>
+      <p:grpSpPr>
+        <a:xfrm>
+          <a:off x="0" y="0"/>
+          <a:ext cx="0" cy="0"/>
+          <a:chOff x="0" y="0"/>
+          <a:chExt cx="0" cy="0"/>
+        </a:xfrm>
+      </p:grpSpPr>
+      <p:sp>
+        <p:nvSpPr>
+          <p:cNvPr id="2" name="Заголовок 1">
+            <a:extLst>
+              <a:ext uri="{FF2B5EF4-FFF2-40B4-BE49-F238E27FC236}">
+                <a16:creationId xmlns:a16="http://schemas.microsoft.com/office/drawing/2014/main" id="{CE28A394-2639-D7FD-C6FE-8C6B5ADD7852}"/>
+              </a:ext>
+            </a:extLst>
+          </p:cNvPr>
+          <p:cNvSpPr>
+            <a:spLocks noGrp="1"/>
+          </p:cNvSpPr>
+          <p:nvPr>
+            <p:ph type="title"/>
+          </p:nvPr>
+        </p:nvSpPr>
+        <p:spPr/>
+        <p:txBody>
+          <a:bodyPr/>
+          <a:lstStyle/>
+          <a:p>
+            <a:r>
+              <a:rPr lang="ru-RU" dirty="0"/>
+              <a:t>Пример 1</a:t>
+            </a:r>
+          </a:p>
+        </p:txBody>
+      </p:sp>
+      <p:sp>
+        <p:nvSpPr>
+          <p:cNvPr id="4" name="Номер слайда 3">
+            <a:extLst>
+              <a:ext uri="{FF2B5EF4-FFF2-40B4-BE49-F238E27FC236}">
+                <a16:creationId xmlns:a16="http://schemas.microsoft.com/office/drawing/2014/main" id="{D04E2331-9467-374E-76DB-BD9E98437993}"/>
+              </a:ext>
+            </a:extLst>
+          </p:cNvPr>
+          <p:cNvSpPr>
+            <a:spLocks noGrp="1"/>
+          </p:cNvSpPr>
+          <p:nvPr>
+            <p:ph type="sldNum" sz="quarter" idx="12"/>
+          </p:nvPr>
+        </p:nvSpPr>
+        <p:spPr/>
+        <p:txBody>
+          <a:bodyPr/>
+          <a:lstStyle/>
+          <a:p>
+            <a:fld id="{25A42088-C730-408A-A823-60BED1AFCEA0}" type="slidenum">
+              <a:rPr lang="ru-RU" smtClean="0"/>
+              <a:t>30</a:t>
             </a:fld>
             <a:endParaRPr lang="ru-RU"/>
           </a:p>
@@ -8372,7 +8885,7 @@
 </p:sld>
 </file>
 
-<file path=ppt/slides/slide29.xml><?xml version="1.0" encoding="utf-8"?>
+<file path=ppt/slides/slide31.xml><?xml version="1.0" encoding="utf-8"?>
 <p:sld xmlns:a="http://schemas.openxmlformats.org/drawingml/2006/main" xmlns:r="http://schemas.openxmlformats.org/officeDocument/2006/relationships" xmlns:p="http://schemas.openxmlformats.org/presentationml/2006/main">
   <p:cSld>
     <p:spTree>
@@ -8440,7 +8953,7 @@
           <a:p>
             <a:fld id="{25A42088-C730-408A-A823-60BED1AFCEA0}" type="slidenum">
               <a:rPr lang="ru-RU" smtClean="0"/>
-              <a:t>29</a:t>
+              <a:t>31</a:t>
             </a:fld>
             <a:endParaRPr lang="ru-RU"/>
           </a:p>
@@ -8508,7 +9021,7 @@
 </p:sld>
 </file>
 
-<file path=ppt/slides/slide3.xml><?xml version="1.0" encoding="utf-8"?>
+<file path=ppt/slides/slide32.xml><?xml version="1.0" encoding="utf-8"?>
 <p:sld xmlns:a="http://schemas.openxmlformats.org/drawingml/2006/main" xmlns:r="http://schemas.openxmlformats.org/officeDocument/2006/relationships" xmlns:p="http://schemas.openxmlformats.org/presentationml/2006/main">
   <p:cSld>
     <p:spTree>
@@ -8530,7 +9043,7 @@
           <p:cNvPr id="2" name="Заголовок 1">
             <a:extLst>
               <a:ext uri="{FF2B5EF4-FFF2-40B4-BE49-F238E27FC236}">
-                <a16:creationId xmlns:a16="http://schemas.microsoft.com/office/drawing/2014/main" id="{51D71CF4-F33F-0638-DB5F-F5C0864741FE}"/>
+                <a16:creationId xmlns:a16="http://schemas.microsoft.com/office/drawing/2014/main" id="{9E0471E5-2201-0333-728B-FB5D5D596807}"/>
               </a:ext>
             </a:extLst>
           </p:cNvPr>
@@ -8548,105 +9061,7 @@
           <a:p>
             <a:r>
               <a:rPr lang="ru-RU" dirty="0"/>
-              <a:t>Требования к моделям </a:t>
-            </a:r>
-            <a:r>
-              <a:rPr lang="ru-RU" dirty="0" err="1"/>
-              <a:t>предм</a:t>
-            </a:r>
-            <a:r>
-              <a:rPr lang="ru-RU" dirty="0"/>
-              <a:t>. обл.</a:t>
-            </a:r>
-          </a:p>
-        </p:txBody>
-      </p:sp>
-      <p:sp>
-        <p:nvSpPr>
-          <p:cNvPr id="3" name="Объект 2">
-            <a:extLst>
-              <a:ext uri="{FF2B5EF4-FFF2-40B4-BE49-F238E27FC236}">
-                <a16:creationId xmlns:a16="http://schemas.microsoft.com/office/drawing/2014/main" id="{50290AFA-7B44-EB2B-C2BD-8AA8D14DD914}"/>
-              </a:ext>
-            </a:extLst>
-          </p:cNvPr>
-          <p:cNvSpPr>
-            <a:spLocks noGrp="1"/>
-          </p:cNvSpPr>
-          <p:nvPr>
-            <p:ph idx="1"/>
-          </p:nvPr>
-        </p:nvSpPr>
-        <p:spPr>
-          <a:xfrm>
-            <a:off x="1371600" y="1506583"/>
-            <a:ext cx="9601200" cy="4868087"/>
-          </a:xfrm>
-        </p:spPr>
-        <p:txBody>
-          <a:bodyPr>
-            <a:normAutofit fontScale="92500" lnSpcReduction="10000"/>
-          </a:bodyPr>
-          <a:lstStyle/>
-          <a:p>
-            <a:pPr marL="342900" indent="-342900">
-              <a:buFont typeface="Wingdings" panose="05000000000000000000" pitchFamily="2" charset="2"/>
-              <a:buChar char="v"/>
-            </a:pPr>
-            <a:r>
-              <a:rPr lang="ru-RU" sz="2400" dirty="0"/>
-              <a:t>формализация, обеспечивающая однозначное описание структуры предметной области;</a:t>
-            </a:r>
-          </a:p>
-          <a:p>
-            <a:pPr marL="342900" indent="-342900">
-              <a:buFont typeface="Wingdings" panose="05000000000000000000" pitchFamily="2" charset="2"/>
-              <a:buChar char="v"/>
-            </a:pPr>
-            <a:r>
-              <a:rPr lang="ru-RU" sz="2400" dirty="0"/>
-              <a:t>понятность для заказчиков и разработчиков на основе применения графических средств отображения модели;</a:t>
-            </a:r>
-          </a:p>
-          <a:p>
-            <a:pPr marL="342900" indent="-342900">
-              <a:buFont typeface="Wingdings" panose="05000000000000000000" pitchFamily="2" charset="2"/>
-              <a:buChar char="v"/>
-            </a:pPr>
-            <a:r>
-              <a:rPr lang="ru-RU" sz="2400" dirty="0"/>
-              <a:t>реализуемость, подразумевающая наличие средств физической реализации модели предметной области в ИС;</a:t>
-            </a:r>
-          </a:p>
-          <a:p>
-            <a:pPr marL="342900" indent="-342900">
-              <a:buFont typeface="Wingdings" panose="05000000000000000000" pitchFamily="2" charset="2"/>
-              <a:buChar char="v"/>
-            </a:pPr>
-            <a:r>
-              <a:rPr lang="ru-RU" sz="2400" dirty="0"/>
-              <a:t>обеспечение оценки эффективности реализации модели предметной области на основе определенных методов и вычисляемых показателей.</a:t>
-            </a:r>
-          </a:p>
-          <a:p>
-            <a:pPr marL="342900" indent="-342900">
-              <a:buFont typeface="Wingdings" panose="05000000000000000000" pitchFamily="2" charset="2"/>
-              <a:buChar char="v"/>
-            </a:pPr>
-            <a:endParaRPr lang="ru-RU" sz="2400" dirty="0"/>
-          </a:p>
-          <a:p>
-            <a:r>
-              <a:rPr lang="ru-RU" sz="2400" dirty="0"/>
-              <a:t>Для реализации перечисленных требований, как правило, строится система моделей, которая отражает </a:t>
-            </a:r>
-            <a:r>
-              <a:rPr lang="ru-RU" sz="2400" b="1" dirty="0"/>
-              <a:t>структурный и оценочный аспекты </a:t>
-            </a:r>
-            <a:r>
-              <a:rPr lang="ru-RU" sz="2400" dirty="0"/>
-              <a:t>функционирования предметной области.</a:t>
+              <a:t>Пример 3</a:t>
             </a:r>
           </a:p>
         </p:txBody>
@@ -8656,7 +9071,7 @@
           <p:cNvPr id="4" name="Номер слайда 3">
             <a:extLst>
               <a:ext uri="{FF2B5EF4-FFF2-40B4-BE49-F238E27FC236}">
-                <a16:creationId xmlns:a16="http://schemas.microsoft.com/office/drawing/2014/main" id="{4CDB6F1E-778A-CB68-5E28-34F7DED30AE3}"/>
+                <a16:creationId xmlns:a16="http://schemas.microsoft.com/office/drawing/2014/main" id="{EC28A519-1982-F169-7A22-789E349F7822}"/>
               </a:ext>
             </a:extLst>
           </p:cNvPr>
@@ -8674,94 +9089,7 @@
           <a:p>
             <a:fld id="{25A42088-C730-408A-A823-60BED1AFCEA0}" type="slidenum">
               <a:rPr lang="ru-RU" smtClean="0"/>
-              <a:t>3</a:t>
-            </a:fld>
-            <a:endParaRPr lang="ru-RU"/>
-          </a:p>
-        </p:txBody>
-      </p:sp>
-    </p:spTree>
-    <p:extLst>
-      <p:ext uri="{BB962C8B-B14F-4D97-AF65-F5344CB8AC3E}">
-        <p14:creationId xmlns:p14="http://schemas.microsoft.com/office/powerpoint/2010/main" val="3265568752"/>
-      </p:ext>
-    </p:extLst>
-  </p:cSld>
-  <p:clrMapOvr>
-    <a:masterClrMapping/>
-  </p:clrMapOvr>
-</p:sld>
-</file>
-
-<file path=ppt/slides/slide30.xml><?xml version="1.0" encoding="utf-8"?>
-<p:sld xmlns:a="http://schemas.openxmlformats.org/drawingml/2006/main" xmlns:r="http://schemas.openxmlformats.org/officeDocument/2006/relationships" xmlns:p="http://schemas.openxmlformats.org/presentationml/2006/main">
-  <p:cSld>
-    <p:spTree>
-      <p:nvGrpSpPr>
-        <p:cNvPr id="1" name=""/>
-        <p:cNvGrpSpPr/>
-        <p:nvPr/>
-      </p:nvGrpSpPr>
-      <p:grpSpPr>
-        <a:xfrm>
-          <a:off x="0" y="0"/>
-          <a:ext cx="0" cy="0"/>
-          <a:chOff x="0" y="0"/>
-          <a:chExt cx="0" cy="0"/>
-        </a:xfrm>
-      </p:grpSpPr>
-      <p:sp>
-        <p:nvSpPr>
-          <p:cNvPr id="2" name="Заголовок 1">
-            <a:extLst>
-              <a:ext uri="{FF2B5EF4-FFF2-40B4-BE49-F238E27FC236}">
-                <a16:creationId xmlns:a16="http://schemas.microsoft.com/office/drawing/2014/main" id="{9E0471E5-2201-0333-728B-FB5D5D596807}"/>
-              </a:ext>
-            </a:extLst>
-          </p:cNvPr>
-          <p:cNvSpPr>
-            <a:spLocks noGrp="1"/>
-          </p:cNvSpPr>
-          <p:nvPr>
-            <p:ph type="title"/>
-          </p:nvPr>
-        </p:nvSpPr>
-        <p:spPr/>
-        <p:txBody>
-          <a:bodyPr/>
-          <a:lstStyle/>
-          <a:p>
-            <a:r>
-              <a:rPr lang="ru-RU" dirty="0"/>
-              <a:t>Пример 3</a:t>
-            </a:r>
-          </a:p>
-        </p:txBody>
-      </p:sp>
-      <p:sp>
-        <p:nvSpPr>
-          <p:cNvPr id="4" name="Номер слайда 3">
-            <a:extLst>
-              <a:ext uri="{FF2B5EF4-FFF2-40B4-BE49-F238E27FC236}">
-                <a16:creationId xmlns:a16="http://schemas.microsoft.com/office/drawing/2014/main" id="{EC28A519-1982-F169-7A22-789E349F7822}"/>
-              </a:ext>
-            </a:extLst>
-          </p:cNvPr>
-          <p:cNvSpPr>
-            <a:spLocks noGrp="1"/>
-          </p:cNvSpPr>
-          <p:nvPr>
-            <p:ph type="sldNum" sz="quarter" idx="12"/>
-          </p:nvPr>
-        </p:nvSpPr>
-        <p:spPr/>
-        <p:txBody>
-          <a:bodyPr/>
-          <a:lstStyle/>
-          <a:p>
-            <a:fld id="{25A42088-C730-408A-A823-60BED1AFCEA0}" type="slidenum">
-              <a:rPr lang="ru-RU" smtClean="0"/>
-              <a:t>30</a:t>
+              <a:t>32</a:t>
             </a:fld>
             <a:endParaRPr lang="ru-RU"/>
           </a:p>
@@ -8829,7 +9157,7 @@
 </p:sld>
 </file>
 
-<file path=ppt/slides/slide31.xml><?xml version="1.0" encoding="utf-8"?>
+<file path=ppt/slides/slide33.xml><?xml version="1.0" encoding="utf-8"?>
 <p:sld xmlns:a="http://schemas.openxmlformats.org/drawingml/2006/main" xmlns:r="http://schemas.openxmlformats.org/officeDocument/2006/relationships" xmlns:p="http://schemas.openxmlformats.org/presentationml/2006/main">
   <p:cSld>
     <p:spTree>
@@ -8892,8 +9220,8 @@
         </p:nvSpPr>
         <p:spPr>
           <a:xfrm>
-            <a:off x="1371600" y="1506584"/>
-            <a:ext cx="9601200" cy="803998"/>
+            <a:off x="1371600" y="1506583"/>
+            <a:ext cx="9601200" cy="4998991"/>
           </a:xfrm>
         </p:spPr>
         <p:txBody>
@@ -8920,6 +9248,45 @@
               <a:rPr lang="ru-RU" dirty="0"/>
               <a:t>»</a:t>
             </a:r>
+            <a:r>
+              <a:rPr lang="en-US" dirty="0"/>
+              <a:t>.</a:t>
+            </a:r>
+            <a:endParaRPr lang="ru-RU" dirty="0"/>
+          </a:p>
+          <a:p>
+            <a:r>
+              <a:rPr lang="ru-RU" dirty="0"/>
+              <a:t>Подробности процесса:</a:t>
+            </a:r>
+          </a:p>
+          <a:p>
+            <a:r>
+              <a:rPr lang="ru-RU" dirty="0"/>
+              <a:t>В процессе участвуют менеджер, столяр и клиент. Клиент присылает описание заказанного шкафа на </a:t>
+            </a:r>
+            <a:r>
+              <a:rPr lang="en-US" dirty="0"/>
+              <a:t>email</a:t>
+            </a:r>
+            <a:r>
+              <a:rPr lang="ru-RU" dirty="0"/>
+              <a:t>. Если в заказе есть все необходимые данные, менеджер просто отвечает что компания приступает к изготовлению. Если с данными что-то не так, менеджер по </a:t>
+            </a:r>
+            <a:r>
+              <a:rPr lang="en-US" dirty="0"/>
+              <a:t>email</a:t>
+            </a:r>
+            <a:r>
+              <a:rPr lang="ru-RU" dirty="0"/>
+              <a:t> задает уточняющие вопросы клиенту и ждет правок. Когда все правки будут внесены, менеджер также сообщает о начале работы.</a:t>
+            </a:r>
+          </a:p>
+          <a:p>
+            <a:r>
+              <a:rPr lang="ru-RU" dirty="0"/>
+              <a:t>Затем менеджер передает заказ свободному столяру. Столяров много, кто-нибудь да сможет начать работу сразу. Столяр получает заказ и начинает изготовление. Сделав шкаф, столяр отправляет его на склад</a:t>
+            </a:r>
           </a:p>
         </p:txBody>
       </p:sp>
@@ -8946,7 +9313,7 @@
           <a:p>
             <a:fld id="{25A42088-C730-408A-A823-60BED1AFCEA0}" type="slidenum">
               <a:rPr lang="ru-RU" smtClean="0"/>
-              <a:t>31</a:t>
+              <a:t>33</a:t>
             </a:fld>
             <a:endParaRPr lang="ru-RU"/>
           </a:p>
@@ -8965,7 +9332,7 @@
 </p:sld>
 </file>
 
-<file path=ppt/slides/slide32.xml><?xml version="1.0" encoding="utf-8"?>
+<file path=ppt/slides/slide34.xml><?xml version="1.0" encoding="utf-8"?>
 <p:sld xmlns:a="http://schemas.openxmlformats.org/drawingml/2006/main" xmlns:r="http://schemas.openxmlformats.org/officeDocument/2006/relationships" xmlns:p="http://schemas.openxmlformats.org/presentationml/2006/main">
   <p:cSld>
     <p:spTree>
@@ -9099,7 +9466,7 @@
           <a:p>
             <a:fld id="{25A42088-C730-408A-A823-60BED1AFCEA0}" type="slidenum">
               <a:rPr lang="ru-RU" smtClean="0"/>
-              <a:t>32</a:t>
+              <a:t>34</a:t>
             </a:fld>
             <a:endParaRPr lang="ru-RU"/>
           </a:p>
